--- a/CSE2010 Advanced C programming/Reference Materials/21_Inline functions.pptx
+++ b/CSE2010 Advanced C programming/Reference Materials/21_Inline functions.pptx
@@ -111,6 +111,22 @@
       </a:defRPr>
     </a:lvl9pPr>
   </p:defaultTextStyle>
+  <p:extLst>
+    <p:ext uri="{EFAFB233-063F-42B5-8137-9DF3F51BA10A}">
+      <p15:sldGuideLst xmlns:p15="http://schemas.microsoft.com/office/powerpoint/2012/main">
+        <p15:guide id="1" orient="horz" pos="2160">
+          <p15:clr>
+            <a:srgbClr val="A4A3A4"/>
+          </p15:clr>
+        </p15:guide>
+        <p15:guide id="2" pos="2880">
+          <p15:clr>
+            <a:srgbClr val="A4A3A4"/>
+          </p15:clr>
+        </p15:guide>
+      </p15:sldGuideLst>
+    </p:ext>
+  </p:extLst>
 </p:presentation>
 </file>
 
@@ -152,7 +168,7 @@
           <a:lstStyle/>
           <a:p>
             <a:r>
-              <a:rPr lang="en-US" smtClean="0"/>
+              <a:rPr lang="en-US"/>
               <a:t>Click to edit Master title style</a:t>
             </a:r>
             <a:endParaRPr lang="en-IN"/>
@@ -271,7 +287,7 @@
           </a:lstStyle>
           <a:p>
             <a:r>
-              <a:rPr lang="en-US" smtClean="0"/>
+              <a:rPr lang="en-US"/>
               <a:t>Click to edit Master subtitle style</a:t>
             </a:r>
             <a:endParaRPr lang="en-IN"/>
@@ -295,7 +311,7 @@
           <a:p>
             <a:fld id="{57944AC4-A800-4829-9E38-E41A0F8AC946}" type="datetimeFigureOut">
               <a:rPr lang="en-IN" smtClean="0"/>
-              <a:t>25-04-2021</a:t>
+              <a:t>02-06-2021</a:t>
             </a:fld>
             <a:endParaRPr lang="en-IN"/>
           </a:p>
@@ -389,7 +405,7 @@
           <a:lstStyle/>
           <a:p>
             <a:r>
-              <a:rPr lang="en-US" smtClean="0"/>
+              <a:rPr lang="en-US"/>
               <a:t>Click to edit Master title style</a:t>
             </a:r>
             <a:endParaRPr lang="en-IN"/>
@@ -413,35 +429,35 @@
           <a:p>
             <a:pPr lvl="0"/>
             <a:r>
-              <a:rPr lang="en-US" smtClean="0"/>
+              <a:rPr lang="en-US"/>
               <a:t>Click to edit Master text styles</a:t>
             </a:r>
           </a:p>
           <a:p>
             <a:pPr lvl="1"/>
             <a:r>
-              <a:rPr lang="en-US" smtClean="0"/>
+              <a:rPr lang="en-US"/>
               <a:t>Second level</a:t>
             </a:r>
           </a:p>
           <a:p>
             <a:pPr lvl="2"/>
             <a:r>
-              <a:rPr lang="en-US" smtClean="0"/>
+              <a:rPr lang="en-US"/>
               <a:t>Third level</a:t>
             </a:r>
           </a:p>
           <a:p>
             <a:pPr lvl="3"/>
             <a:r>
-              <a:rPr lang="en-US" smtClean="0"/>
+              <a:rPr lang="en-US"/>
               <a:t>Fourth level</a:t>
             </a:r>
           </a:p>
           <a:p>
             <a:pPr lvl="4"/>
             <a:r>
-              <a:rPr lang="en-US" smtClean="0"/>
+              <a:rPr lang="en-US"/>
               <a:t>Fifth level</a:t>
             </a:r>
             <a:endParaRPr lang="en-IN"/>
@@ -465,7 +481,7 @@
           <a:p>
             <a:fld id="{57944AC4-A800-4829-9E38-E41A0F8AC946}" type="datetimeFigureOut">
               <a:rPr lang="en-IN" smtClean="0"/>
-              <a:t>25-04-2021</a:t>
+              <a:t>02-06-2021</a:t>
             </a:fld>
             <a:endParaRPr lang="en-IN"/>
           </a:p>
@@ -564,7 +580,7 @@
           <a:lstStyle/>
           <a:p>
             <a:r>
-              <a:rPr lang="en-US" smtClean="0"/>
+              <a:rPr lang="en-US"/>
               <a:t>Click to edit Master title style</a:t>
             </a:r>
             <a:endParaRPr lang="en-IN"/>
@@ -593,35 +609,35 @@
           <a:p>
             <a:pPr lvl="0"/>
             <a:r>
-              <a:rPr lang="en-US" smtClean="0"/>
+              <a:rPr lang="en-US"/>
               <a:t>Click to edit Master text styles</a:t>
             </a:r>
           </a:p>
           <a:p>
             <a:pPr lvl="1"/>
             <a:r>
-              <a:rPr lang="en-US" smtClean="0"/>
+              <a:rPr lang="en-US"/>
               <a:t>Second level</a:t>
             </a:r>
           </a:p>
           <a:p>
             <a:pPr lvl="2"/>
             <a:r>
-              <a:rPr lang="en-US" smtClean="0"/>
+              <a:rPr lang="en-US"/>
               <a:t>Third level</a:t>
             </a:r>
           </a:p>
           <a:p>
             <a:pPr lvl="3"/>
             <a:r>
-              <a:rPr lang="en-US" smtClean="0"/>
+              <a:rPr lang="en-US"/>
               <a:t>Fourth level</a:t>
             </a:r>
           </a:p>
           <a:p>
             <a:pPr lvl="4"/>
             <a:r>
-              <a:rPr lang="en-US" smtClean="0"/>
+              <a:rPr lang="en-US"/>
               <a:t>Fifth level</a:t>
             </a:r>
             <a:endParaRPr lang="en-IN"/>
@@ -645,7 +661,7 @@
           <a:p>
             <a:fld id="{57944AC4-A800-4829-9E38-E41A0F8AC946}" type="datetimeFigureOut">
               <a:rPr lang="en-IN" smtClean="0"/>
-              <a:t>25-04-2021</a:t>
+              <a:t>02-06-2021</a:t>
             </a:fld>
             <a:endParaRPr lang="en-IN"/>
           </a:p>
@@ -739,7 +755,7 @@
           <a:lstStyle/>
           <a:p>
             <a:r>
-              <a:rPr lang="en-US" smtClean="0"/>
+              <a:rPr lang="en-US"/>
               <a:t>Click to edit Master title style</a:t>
             </a:r>
             <a:endParaRPr lang="en-IN"/>
@@ -763,35 +779,35 @@
           <a:p>
             <a:pPr lvl="0"/>
             <a:r>
-              <a:rPr lang="en-US" smtClean="0"/>
+              <a:rPr lang="en-US"/>
               <a:t>Click to edit Master text styles</a:t>
             </a:r>
           </a:p>
           <a:p>
             <a:pPr lvl="1"/>
             <a:r>
-              <a:rPr lang="en-US" smtClean="0"/>
+              <a:rPr lang="en-US"/>
               <a:t>Second level</a:t>
             </a:r>
           </a:p>
           <a:p>
             <a:pPr lvl="2"/>
             <a:r>
-              <a:rPr lang="en-US" smtClean="0"/>
+              <a:rPr lang="en-US"/>
               <a:t>Third level</a:t>
             </a:r>
           </a:p>
           <a:p>
             <a:pPr lvl="3"/>
             <a:r>
-              <a:rPr lang="en-US" smtClean="0"/>
+              <a:rPr lang="en-US"/>
               <a:t>Fourth level</a:t>
             </a:r>
           </a:p>
           <a:p>
             <a:pPr lvl="4"/>
             <a:r>
-              <a:rPr lang="en-US" smtClean="0"/>
+              <a:rPr lang="en-US"/>
               <a:t>Fifth level</a:t>
             </a:r>
             <a:endParaRPr lang="en-IN"/>
@@ -815,7 +831,7 @@
           <a:p>
             <a:fld id="{57944AC4-A800-4829-9E38-E41A0F8AC946}" type="datetimeFigureOut">
               <a:rPr lang="en-IN" smtClean="0"/>
-              <a:t>25-04-2021</a:t>
+              <a:t>02-06-2021</a:t>
             </a:fld>
             <a:endParaRPr lang="en-IN"/>
           </a:p>
@@ -918,7 +934,7 @@
           </a:lstStyle>
           <a:p>
             <a:r>
-              <a:rPr lang="en-US" smtClean="0"/>
+              <a:rPr lang="en-US"/>
               <a:t>Click to edit Master title style</a:t>
             </a:r>
             <a:endParaRPr lang="en-IN"/>
@@ -1038,7 +1054,7 @@
           <a:p>
             <a:pPr lvl="0"/>
             <a:r>
-              <a:rPr lang="en-US" smtClean="0"/>
+              <a:rPr lang="en-US"/>
               <a:t>Click to edit Master text styles</a:t>
             </a:r>
           </a:p>
@@ -1061,7 +1077,7 @@
           <a:p>
             <a:fld id="{57944AC4-A800-4829-9E38-E41A0F8AC946}" type="datetimeFigureOut">
               <a:rPr lang="en-IN" smtClean="0"/>
-              <a:t>25-04-2021</a:t>
+              <a:t>02-06-2021</a:t>
             </a:fld>
             <a:endParaRPr lang="en-IN"/>
           </a:p>
@@ -1155,7 +1171,7 @@
           <a:lstStyle/>
           <a:p>
             <a:r>
-              <a:rPr lang="en-US" smtClean="0"/>
+              <a:rPr lang="en-US"/>
               <a:t>Click to edit Master title style</a:t>
             </a:r>
             <a:endParaRPr lang="en-IN"/>
@@ -1212,35 +1228,35 @@
           <a:p>
             <a:pPr lvl="0"/>
             <a:r>
-              <a:rPr lang="en-US" smtClean="0"/>
+              <a:rPr lang="en-US"/>
               <a:t>Click to edit Master text styles</a:t>
             </a:r>
           </a:p>
           <a:p>
             <a:pPr lvl="1"/>
             <a:r>
-              <a:rPr lang="en-US" smtClean="0"/>
+              <a:rPr lang="en-US"/>
               <a:t>Second level</a:t>
             </a:r>
           </a:p>
           <a:p>
             <a:pPr lvl="2"/>
             <a:r>
-              <a:rPr lang="en-US" smtClean="0"/>
+              <a:rPr lang="en-US"/>
               <a:t>Third level</a:t>
             </a:r>
           </a:p>
           <a:p>
             <a:pPr lvl="3"/>
             <a:r>
-              <a:rPr lang="en-US" smtClean="0"/>
+              <a:rPr lang="en-US"/>
               <a:t>Fourth level</a:t>
             </a:r>
           </a:p>
           <a:p>
             <a:pPr lvl="4"/>
             <a:r>
-              <a:rPr lang="en-US" smtClean="0"/>
+              <a:rPr lang="en-US"/>
               <a:t>Fifth level</a:t>
             </a:r>
             <a:endParaRPr lang="en-IN"/>
@@ -1297,35 +1313,35 @@
           <a:p>
             <a:pPr lvl="0"/>
             <a:r>
-              <a:rPr lang="en-US" smtClean="0"/>
+              <a:rPr lang="en-US"/>
               <a:t>Click to edit Master text styles</a:t>
             </a:r>
           </a:p>
           <a:p>
             <a:pPr lvl="1"/>
             <a:r>
-              <a:rPr lang="en-US" smtClean="0"/>
+              <a:rPr lang="en-US"/>
               <a:t>Second level</a:t>
             </a:r>
           </a:p>
           <a:p>
             <a:pPr lvl="2"/>
             <a:r>
-              <a:rPr lang="en-US" smtClean="0"/>
+              <a:rPr lang="en-US"/>
               <a:t>Third level</a:t>
             </a:r>
           </a:p>
           <a:p>
             <a:pPr lvl="3"/>
             <a:r>
-              <a:rPr lang="en-US" smtClean="0"/>
+              <a:rPr lang="en-US"/>
               <a:t>Fourth level</a:t>
             </a:r>
           </a:p>
           <a:p>
             <a:pPr lvl="4"/>
             <a:r>
-              <a:rPr lang="en-US" smtClean="0"/>
+              <a:rPr lang="en-US"/>
               <a:t>Fifth level</a:t>
             </a:r>
             <a:endParaRPr lang="en-IN"/>
@@ -1349,7 +1365,7 @@
           <a:p>
             <a:fld id="{57944AC4-A800-4829-9E38-E41A0F8AC946}" type="datetimeFigureOut">
               <a:rPr lang="en-IN" smtClean="0"/>
-              <a:t>25-04-2021</a:t>
+              <a:t>02-06-2021</a:t>
             </a:fld>
             <a:endParaRPr lang="en-IN"/>
           </a:p>
@@ -1447,7 +1463,7 @@
           </a:lstStyle>
           <a:p>
             <a:r>
-              <a:rPr lang="en-US" smtClean="0"/>
+              <a:rPr lang="en-US"/>
               <a:t>Click to edit Master title style</a:t>
             </a:r>
             <a:endParaRPr lang="en-IN"/>
@@ -1513,7 +1529,7 @@
           <a:p>
             <a:pPr lvl="0"/>
             <a:r>
-              <a:rPr lang="en-US" smtClean="0"/>
+              <a:rPr lang="en-US"/>
               <a:t>Click to edit Master text styles</a:t>
             </a:r>
           </a:p>
@@ -1569,35 +1585,35 @@
           <a:p>
             <a:pPr lvl="0"/>
             <a:r>
-              <a:rPr lang="en-US" smtClean="0"/>
+              <a:rPr lang="en-US"/>
               <a:t>Click to edit Master text styles</a:t>
             </a:r>
           </a:p>
           <a:p>
             <a:pPr lvl="1"/>
             <a:r>
-              <a:rPr lang="en-US" smtClean="0"/>
+              <a:rPr lang="en-US"/>
               <a:t>Second level</a:t>
             </a:r>
           </a:p>
           <a:p>
             <a:pPr lvl="2"/>
             <a:r>
-              <a:rPr lang="en-US" smtClean="0"/>
+              <a:rPr lang="en-US"/>
               <a:t>Third level</a:t>
             </a:r>
           </a:p>
           <a:p>
             <a:pPr lvl="3"/>
             <a:r>
-              <a:rPr lang="en-US" smtClean="0"/>
+              <a:rPr lang="en-US"/>
               <a:t>Fourth level</a:t>
             </a:r>
           </a:p>
           <a:p>
             <a:pPr lvl="4"/>
             <a:r>
-              <a:rPr lang="en-US" smtClean="0"/>
+              <a:rPr lang="en-US"/>
               <a:t>Fifth level</a:t>
             </a:r>
             <a:endParaRPr lang="en-IN"/>
@@ -1663,7 +1679,7 @@
           <a:p>
             <a:pPr lvl="0"/>
             <a:r>
-              <a:rPr lang="en-US" smtClean="0"/>
+              <a:rPr lang="en-US"/>
               <a:t>Click to edit Master text styles</a:t>
             </a:r>
           </a:p>
@@ -1719,35 +1735,35 @@
           <a:p>
             <a:pPr lvl="0"/>
             <a:r>
-              <a:rPr lang="en-US" smtClean="0"/>
+              <a:rPr lang="en-US"/>
               <a:t>Click to edit Master text styles</a:t>
             </a:r>
           </a:p>
           <a:p>
             <a:pPr lvl="1"/>
             <a:r>
-              <a:rPr lang="en-US" smtClean="0"/>
+              <a:rPr lang="en-US"/>
               <a:t>Second level</a:t>
             </a:r>
           </a:p>
           <a:p>
             <a:pPr lvl="2"/>
             <a:r>
-              <a:rPr lang="en-US" smtClean="0"/>
+              <a:rPr lang="en-US"/>
               <a:t>Third level</a:t>
             </a:r>
           </a:p>
           <a:p>
             <a:pPr lvl="3"/>
             <a:r>
-              <a:rPr lang="en-US" smtClean="0"/>
+              <a:rPr lang="en-US"/>
               <a:t>Fourth level</a:t>
             </a:r>
           </a:p>
           <a:p>
             <a:pPr lvl="4"/>
             <a:r>
-              <a:rPr lang="en-US" smtClean="0"/>
+              <a:rPr lang="en-US"/>
               <a:t>Fifth level</a:t>
             </a:r>
             <a:endParaRPr lang="en-IN"/>
@@ -1771,7 +1787,7 @@
           <a:p>
             <a:fld id="{57944AC4-A800-4829-9E38-E41A0F8AC946}" type="datetimeFigureOut">
               <a:rPr lang="en-IN" smtClean="0"/>
-              <a:t>25-04-2021</a:t>
+              <a:t>02-06-2021</a:t>
             </a:fld>
             <a:endParaRPr lang="en-IN"/>
           </a:p>
@@ -1865,7 +1881,7 @@
           <a:lstStyle/>
           <a:p>
             <a:r>
-              <a:rPr lang="en-US" smtClean="0"/>
+              <a:rPr lang="en-US"/>
               <a:t>Click to edit Master title style</a:t>
             </a:r>
             <a:endParaRPr lang="en-IN"/>
@@ -1889,7 +1905,7 @@
           <a:p>
             <a:fld id="{57944AC4-A800-4829-9E38-E41A0F8AC946}" type="datetimeFigureOut">
               <a:rPr lang="en-IN" smtClean="0"/>
-              <a:t>25-04-2021</a:t>
+              <a:t>02-06-2021</a:t>
             </a:fld>
             <a:endParaRPr lang="en-IN"/>
           </a:p>
@@ -1984,7 +2000,7 @@
           <a:p>
             <a:fld id="{57944AC4-A800-4829-9E38-E41A0F8AC946}" type="datetimeFigureOut">
               <a:rPr lang="en-IN" smtClean="0"/>
-              <a:t>25-04-2021</a:t>
+              <a:t>02-06-2021</a:t>
             </a:fld>
             <a:endParaRPr lang="en-IN"/>
           </a:p>
@@ -2087,7 +2103,7 @@
           </a:lstStyle>
           <a:p>
             <a:r>
-              <a:rPr lang="en-US" smtClean="0"/>
+              <a:rPr lang="en-US"/>
               <a:t>Click to edit Master title style</a:t>
             </a:r>
             <a:endParaRPr lang="en-IN"/>
@@ -2144,35 +2160,35 @@
           <a:p>
             <a:pPr lvl="0"/>
             <a:r>
-              <a:rPr lang="en-US" smtClean="0"/>
+              <a:rPr lang="en-US"/>
               <a:t>Click to edit Master text styles</a:t>
             </a:r>
           </a:p>
           <a:p>
             <a:pPr lvl="1"/>
             <a:r>
-              <a:rPr lang="en-US" smtClean="0"/>
+              <a:rPr lang="en-US"/>
               <a:t>Second level</a:t>
             </a:r>
           </a:p>
           <a:p>
             <a:pPr lvl="2"/>
             <a:r>
-              <a:rPr lang="en-US" smtClean="0"/>
+              <a:rPr lang="en-US"/>
               <a:t>Third level</a:t>
             </a:r>
           </a:p>
           <a:p>
             <a:pPr lvl="3"/>
             <a:r>
-              <a:rPr lang="en-US" smtClean="0"/>
+              <a:rPr lang="en-US"/>
               <a:t>Fourth level</a:t>
             </a:r>
           </a:p>
           <a:p>
             <a:pPr lvl="4"/>
             <a:r>
-              <a:rPr lang="en-US" smtClean="0"/>
+              <a:rPr lang="en-US"/>
               <a:t>Fifth level</a:t>
             </a:r>
             <a:endParaRPr lang="en-IN"/>
@@ -2238,7 +2254,7 @@
           <a:p>
             <a:pPr lvl="0"/>
             <a:r>
-              <a:rPr lang="en-US" smtClean="0"/>
+              <a:rPr lang="en-US"/>
               <a:t>Click to edit Master text styles</a:t>
             </a:r>
           </a:p>
@@ -2261,7 +2277,7 @@
           <a:p>
             <a:fld id="{57944AC4-A800-4829-9E38-E41A0F8AC946}" type="datetimeFigureOut">
               <a:rPr lang="en-IN" smtClean="0"/>
-              <a:t>25-04-2021</a:t>
+              <a:t>02-06-2021</a:t>
             </a:fld>
             <a:endParaRPr lang="en-IN"/>
           </a:p>
@@ -2364,7 +2380,7 @@
           </a:lstStyle>
           <a:p>
             <a:r>
-              <a:rPr lang="en-US" smtClean="0"/>
+              <a:rPr lang="en-US"/>
               <a:t>Click to edit Master title style</a:t>
             </a:r>
             <a:endParaRPr lang="en-IN"/>
@@ -2491,7 +2507,7 @@
           <a:p>
             <a:pPr lvl="0"/>
             <a:r>
-              <a:rPr lang="en-US" smtClean="0"/>
+              <a:rPr lang="en-US"/>
               <a:t>Click to edit Master text styles</a:t>
             </a:r>
           </a:p>
@@ -2514,7 +2530,7 @@
           <a:p>
             <a:fld id="{57944AC4-A800-4829-9E38-E41A0F8AC946}" type="datetimeFigureOut">
               <a:rPr lang="en-IN" smtClean="0"/>
-              <a:t>25-04-2021</a:t>
+              <a:t>02-06-2021</a:t>
             </a:fld>
             <a:endParaRPr lang="en-IN"/>
           </a:p>
@@ -2623,7 +2639,7 @@
           <a:lstStyle/>
           <a:p>
             <a:r>
-              <a:rPr lang="en-US" smtClean="0"/>
+              <a:rPr lang="en-US"/>
               <a:t>Click to edit Master title style</a:t>
             </a:r>
             <a:endParaRPr lang="en-IN"/>
@@ -2657,35 +2673,35 @@
           <a:p>
             <a:pPr lvl="0"/>
             <a:r>
-              <a:rPr lang="en-US" smtClean="0"/>
+              <a:rPr lang="en-US"/>
               <a:t>Click to edit Master text styles</a:t>
             </a:r>
           </a:p>
           <a:p>
             <a:pPr lvl="1"/>
             <a:r>
-              <a:rPr lang="en-US" smtClean="0"/>
+              <a:rPr lang="en-US"/>
               <a:t>Second level</a:t>
             </a:r>
           </a:p>
           <a:p>
             <a:pPr lvl="2"/>
             <a:r>
-              <a:rPr lang="en-US" smtClean="0"/>
+              <a:rPr lang="en-US"/>
               <a:t>Third level</a:t>
             </a:r>
           </a:p>
           <a:p>
             <a:pPr lvl="3"/>
             <a:r>
-              <a:rPr lang="en-US" smtClean="0"/>
+              <a:rPr lang="en-US"/>
               <a:t>Fourth level</a:t>
             </a:r>
           </a:p>
           <a:p>
             <a:pPr lvl="4"/>
             <a:r>
-              <a:rPr lang="en-US" smtClean="0"/>
+              <a:rPr lang="en-US"/>
               <a:t>Fifth level</a:t>
             </a:r>
             <a:endParaRPr lang="en-IN"/>
@@ -2727,7 +2743,7 @@
           <a:p>
             <a:fld id="{57944AC4-A800-4829-9E38-E41A0F8AC946}" type="datetimeFigureOut">
               <a:rPr lang="en-IN" smtClean="0"/>
-              <a:t>25-04-2021</a:t>
+              <a:t>02-06-2021</a:t>
             </a:fld>
             <a:endParaRPr lang="en-IN"/>
           </a:p>
@@ -3190,7 +3206,7 @@
           <a:lstStyle/>
           <a:p>
             <a:r>
-              <a:rPr lang="en-US" dirty="0" smtClean="0"/>
+              <a:rPr lang="en-US" dirty="0"/>
               <a:t>Inline Function</a:t>
             </a:r>
             <a:endParaRPr lang="en-IN" dirty="0"/>
@@ -3331,7 +3347,7 @@
           <a:lstStyle/>
           <a:p>
             <a:r>
-              <a:rPr lang="en-US" dirty="0" smtClean="0"/>
+              <a:rPr lang="en-US" dirty="0"/>
               <a:t>Inline function</a:t>
             </a:r>
             <a:endParaRPr lang="en-IN" dirty="0"/>
@@ -3357,7 +3373,7 @@
               <a:buNone/>
             </a:pPr>
             <a:r>
-              <a:rPr lang="en-US" dirty="0" smtClean="0"/>
+              <a:rPr lang="en-US" dirty="0"/>
               <a:t>Syntax</a:t>
             </a:r>
           </a:p>
@@ -3365,14 +3381,14 @@
             <a:pPr marL="0" indent="0">
               <a:buNone/>
             </a:pPr>
-            <a:endParaRPr lang="en-US" dirty="0" smtClean="0"/>
-          </a:p>
-          <a:p>
-            <a:pPr marL="0" indent="0">
-              <a:buNone/>
-            </a:pPr>
-            <a:r>
-              <a:rPr lang="en-US" dirty="0" smtClean="0"/>
+            <a:endParaRPr lang="en-US" dirty="0"/>
+          </a:p>
+          <a:p>
+            <a:pPr marL="0" indent="0">
+              <a:buNone/>
+            </a:pPr>
+            <a:r>
+              <a:rPr lang="en-US" dirty="0"/>
               <a:t>inline return-type function-name(parameters)</a:t>
             </a:r>
           </a:p>
@@ -3381,7 +3397,7 @@
               <a:buNone/>
             </a:pPr>
             <a:r>
-              <a:rPr lang="en-US" dirty="0" smtClean="0"/>
+              <a:rPr lang="en-US" dirty="0"/>
               <a:t>{</a:t>
             </a:r>
           </a:p>
@@ -3390,7 +3406,7 @@
               <a:buNone/>
             </a:pPr>
             <a:r>
-              <a:rPr lang="en-US" dirty="0" smtClean="0"/>
+              <a:rPr lang="en-US" dirty="0"/>
               <a:t>// function code</a:t>
             </a:r>
           </a:p>
@@ -3399,10 +3415,9 @@
               <a:buNone/>
             </a:pPr>
             <a:r>
-              <a:rPr lang="en-US" dirty="0" smtClean="0"/>
+              <a:rPr lang="en-US" dirty="0"/>
               <a:t>}</a:t>
             </a:r>
-            <a:endParaRPr lang="en-US" dirty="0"/>
           </a:p>
         </p:txBody>
       </p:sp>
@@ -3452,7 +3467,7 @@
           <a:lstStyle/>
           <a:p>
             <a:r>
-              <a:rPr lang="en-US" dirty="0" smtClean="0"/>
+              <a:rPr lang="en-US" dirty="0"/>
               <a:t>Example</a:t>
             </a:r>
             <a:endParaRPr lang="en-IN" dirty="0"/>
@@ -3480,15 +3495,15 @@
               <a:buNone/>
             </a:pPr>
             <a:r>
-              <a:rPr lang="en-US" dirty="0" smtClean="0"/>
+              <a:rPr lang="en-US" dirty="0"/>
               <a:t>#include &lt;</a:t>
             </a:r>
             <a:r>
-              <a:rPr lang="en-US" dirty="0" err="1" smtClean="0"/>
+              <a:rPr lang="en-US" dirty="0" err="1"/>
               <a:t>stdio.h</a:t>
             </a:r>
             <a:r>
-              <a:rPr lang="en-US" dirty="0" smtClean="0"/>
+              <a:rPr lang="en-US" dirty="0"/>
               <a:t>&gt;</a:t>
             </a:r>
           </a:p>
@@ -3496,38 +3511,38 @@
             <a:pPr marL="0" indent="0">
               <a:buNone/>
             </a:pPr>
-            <a:endParaRPr lang="en-US" dirty="0" smtClean="0"/>
-          </a:p>
-          <a:p>
-            <a:pPr marL="0" indent="0">
-              <a:buNone/>
-            </a:pPr>
-            <a:r>
-              <a:rPr lang="en-US" dirty="0" smtClean="0"/>
+            <a:endParaRPr lang="en-US" dirty="0"/>
+          </a:p>
+          <a:p>
+            <a:pPr marL="0" indent="0">
+              <a:buNone/>
+            </a:pPr>
+            <a:r>
+              <a:rPr lang="en-US" dirty="0"/>
               <a:t>static inline </a:t>
             </a:r>
             <a:r>
-              <a:rPr lang="en-US" dirty="0" err="1" smtClean="0"/>
+              <a:rPr lang="en-US" dirty="0" err="1"/>
               <a:t>int</a:t>
             </a:r>
             <a:r>
-              <a:rPr lang="en-US" dirty="0" smtClean="0"/>
+              <a:rPr lang="en-US" dirty="0"/>
               <a:t> add(</a:t>
             </a:r>
             <a:r>
-              <a:rPr lang="en-US" dirty="0" err="1" smtClean="0"/>
+              <a:rPr lang="en-US" dirty="0" err="1"/>
               <a:t>int</a:t>
             </a:r>
             <a:r>
-              <a:rPr lang="en-US" dirty="0" smtClean="0"/>
+              <a:rPr lang="en-US" dirty="0"/>
               <a:t> a, </a:t>
             </a:r>
             <a:r>
-              <a:rPr lang="en-US" dirty="0" err="1" smtClean="0"/>
+              <a:rPr lang="en-US" dirty="0" err="1"/>
               <a:t>int</a:t>
             </a:r>
             <a:r>
-              <a:rPr lang="en-US" dirty="0" smtClean="0"/>
+              <a:rPr lang="en-US" dirty="0"/>
               <a:t> b)</a:t>
             </a:r>
           </a:p>
@@ -3536,7 +3551,7 @@
               <a:buNone/>
             </a:pPr>
             <a:r>
-              <a:rPr lang="en-US" dirty="0" smtClean="0"/>
+              <a:rPr lang="en-US" dirty="0"/>
               <a:t>{</a:t>
             </a:r>
           </a:p>
@@ -3545,7 +3560,7 @@
               <a:buNone/>
             </a:pPr>
             <a:r>
-              <a:rPr lang="en-US" dirty="0" smtClean="0"/>
+              <a:rPr lang="en-US" dirty="0"/>
               <a:t>return a + b ;</a:t>
             </a:r>
           </a:p>
@@ -3554,7 +3569,7 @@
               <a:buNone/>
             </a:pPr>
             <a:r>
-              <a:rPr lang="en-US" dirty="0" smtClean="0"/>
+              <a:rPr lang="en-US" dirty="0"/>
               <a:t>}</a:t>
             </a:r>
           </a:p>
@@ -3562,18 +3577,18 @@
             <a:pPr marL="0" indent="0">
               <a:buNone/>
             </a:pPr>
-            <a:endParaRPr lang="en-US" dirty="0" smtClean="0"/>
-          </a:p>
-          <a:p>
-            <a:pPr marL="0" indent="0">
-              <a:buNone/>
-            </a:pPr>
-            <a:r>
-              <a:rPr lang="en-US" dirty="0" err="1" smtClean="0"/>
+            <a:endParaRPr lang="en-US" dirty="0"/>
+          </a:p>
+          <a:p>
+            <a:pPr marL="0" indent="0">
+              <a:buNone/>
+            </a:pPr>
+            <a:r>
+              <a:rPr lang="en-US" dirty="0" err="1"/>
               <a:t>int</a:t>
             </a:r>
             <a:r>
-              <a:rPr lang="en-US" dirty="0" smtClean="0"/>
+              <a:rPr lang="en-US" dirty="0"/>
               <a:t> main()</a:t>
             </a:r>
           </a:p>
@@ -3582,7 +3597,7 @@
               <a:buNone/>
             </a:pPr>
             <a:r>
-              <a:rPr lang="en-US" dirty="0" smtClean="0"/>
+              <a:rPr lang="en-US" dirty="0"/>
               <a:t>{</a:t>
             </a:r>
           </a:p>
@@ -3591,11 +3606,11 @@
               <a:buNone/>
             </a:pPr>
             <a:r>
-              <a:rPr lang="en-US" dirty="0" err="1" smtClean="0"/>
+              <a:rPr lang="en-US" dirty="0" err="1"/>
               <a:t>int</a:t>
             </a:r>
             <a:r>
-              <a:rPr lang="en-US" dirty="0" smtClean="0"/>
+              <a:rPr lang="en-US" dirty="0"/>
               <a:t> a, b, x ;</a:t>
             </a:r>
           </a:p>
@@ -3604,11 +3619,11 @@
               <a:buNone/>
             </a:pPr>
             <a:r>
-              <a:rPr lang="en-US" dirty="0" err="1" smtClean="0"/>
+              <a:rPr lang="en-US" dirty="0" err="1"/>
               <a:t>printf</a:t>
             </a:r>
             <a:r>
-              <a:rPr lang="en-US" dirty="0" smtClean="0"/>
+              <a:rPr lang="en-US" dirty="0"/>
               <a:t>( " Enter the value of integer a  and b: " ) ;</a:t>
             </a:r>
           </a:p>
@@ -3617,19 +3632,19 @@
               <a:buNone/>
             </a:pPr>
             <a:r>
-              <a:rPr lang="en-US" dirty="0" err="1" smtClean="0"/>
+              <a:rPr lang="en-US" dirty="0" err="1"/>
               <a:t>scanf</a:t>
             </a:r>
             <a:r>
-              <a:rPr lang="en-US" dirty="0" smtClean="0"/>
+              <a:rPr lang="en-US" dirty="0"/>
               <a:t>( "%</a:t>
             </a:r>
             <a:r>
-              <a:rPr lang="en-US" dirty="0" err="1" smtClean="0"/>
+              <a:rPr lang="en-US" dirty="0" err="1"/>
               <a:t>d%d</a:t>
             </a:r>
             <a:r>
-              <a:rPr lang="en-US" dirty="0" smtClean="0"/>
+              <a:rPr lang="en-US" dirty="0"/>
               <a:t>", &amp;a ,&amp;b ) ;</a:t>
             </a:r>
           </a:p>
@@ -3638,7 +3653,7 @@
               <a:buNone/>
             </a:pPr>
             <a:r>
-              <a:rPr lang="en-US" dirty="0" smtClean="0"/>
+              <a:rPr lang="en-US" dirty="0"/>
               <a:t>x = add( a , b ) ;</a:t>
             </a:r>
           </a:p>
@@ -3647,11 +3662,11 @@
               <a:buNone/>
             </a:pPr>
             <a:r>
-              <a:rPr lang="en-US" dirty="0" err="1" smtClean="0"/>
+              <a:rPr lang="en-US" dirty="0" err="1"/>
               <a:t>printf</a:t>
             </a:r>
             <a:r>
-              <a:rPr lang="en-US" dirty="0" smtClean="0"/>
+              <a:rPr lang="en-US" dirty="0"/>
               <a:t>( "The result a + b : %d\n " , x ) ;</a:t>
             </a:r>
           </a:p>
@@ -3660,7 +3675,7 @@
               <a:buNone/>
             </a:pPr>
             <a:r>
-              <a:rPr lang="en-US" dirty="0" smtClean="0"/>
+              <a:rPr lang="en-US" dirty="0"/>
               <a:t>return 0 ;</a:t>
             </a:r>
           </a:p>
@@ -3669,7 +3684,7 @@
               <a:buNone/>
             </a:pPr>
             <a:r>
-              <a:rPr lang="en-US" dirty="0" smtClean="0"/>
+              <a:rPr lang="en-US" dirty="0"/>
               <a:t>}</a:t>
             </a:r>
             <a:endParaRPr lang="en-IN" dirty="0"/>
@@ -3722,7 +3737,7 @@
           <a:lstStyle/>
           <a:p>
             <a:r>
-              <a:rPr lang="en-US" dirty="0" smtClean="0"/>
+              <a:rPr lang="en-US" dirty="0"/>
               <a:t>Macro Vs Inline Functions</a:t>
             </a:r>
             <a:endParaRPr lang="en-IN" dirty="0"/>
@@ -3805,25 +3820,25 @@
           </a:bodyPr>
           <a:lstStyle/>
           <a:p>
-            <a:endParaRPr lang="en-US" dirty="0" smtClean="0"/>
-          </a:p>
-          <a:p>
             <a:endParaRPr lang="en-US" dirty="0"/>
           </a:p>
           <a:p>
-            <a:endParaRPr lang="en-US" dirty="0" smtClean="0"/>
-          </a:p>
-          <a:p>
             <a:endParaRPr lang="en-US" dirty="0"/>
           </a:p>
           <a:p>
-            <a:endParaRPr lang="en-US" dirty="0" smtClean="0"/>
-          </a:p>
-          <a:p>
             <a:endParaRPr lang="en-US" dirty="0"/>
           </a:p>
           <a:p>
-            <a:endParaRPr lang="en-US" dirty="0" smtClean="0">
+            <a:endParaRPr lang="en-US" dirty="0"/>
+          </a:p>
+          <a:p>
+            <a:endParaRPr lang="en-US" dirty="0"/>
+          </a:p>
+          <a:p>
+            <a:endParaRPr lang="en-US" dirty="0"/>
+          </a:p>
+          <a:p>
+            <a:endParaRPr lang="en-US" dirty="0">
               <a:solidFill>
                 <a:schemeClr val="tx1">
                   <a:lumMod val="50000"/>
@@ -3943,7 +3958,7 @@
           <a:lstStyle/>
           <a:p>
             <a:r>
-              <a:rPr lang="en-US" dirty="0" smtClean="0"/>
+              <a:rPr lang="en-US" dirty="0"/>
               <a:t>Macro Vs Inline Functions</a:t>
             </a:r>
             <a:endParaRPr lang="en-IN" dirty="0"/>
@@ -3977,15 +3992,15 @@
               <a:buNone/>
             </a:pPr>
             <a:r>
-              <a:rPr lang="en-IN" dirty="0" smtClean="0"/>
+              <a:rPr lang="en-IN" dirty="0"/>
               <a:t>#include&lt;</a:t>
             </a:r>
             <a:r>
-              <a:rPr lang="en-IN" dirty="0" err="1" smtClean="0"/>
+              <a:rPr lang="en-IN" dirty="0" err="1"/>
               <a:t>stdio.h</a:t>
             </a:r>
             <a:r>
-              <a:rPr lang="en-IN" dirty="0" smtClean="0"/>
+              <a:rPr lang="en-IN" dirty="0"/>
               <a:t>&gt;</a:t>
             </a:r>
           </a:p>
@@ -3994,7 +4009,7 @@
               <a:buNone/>
             </a:pPr>
             <a:r>
-              <a:rPr lang="en-IN" dirty="0" smtClean="0"/>
+              <a:rPr lang="en-IN" dirty="0"/>
               <a:t>#define CUBE(b) b*b*b</a:t>
             </a:r>
           </a:p>
@@ -4003,11 +4018,11 @@
               <a:buNone/>
             </a:pPr>
             <a:r>
-              <a:rPr lang="en-IN" dirty="0" err="1" smtClean="0"/>
+              <a:rPr lang="en-IN" dirty="0" err="1"/>
               <a:t>int</a:t>
             </a:r>
             <a:r>
-              <a:rPr lang="en-IN" dirty="0" smtClean="0"/>
+              <a:rPr lang="en-IN" dirty="0"/>
               <a:t> main()</a:t>
             </a:r>
           </a:p>
@@ -4016,7 +4031,7 @@
               <a:buNone/>
             </a:pPr>
             <a:r>
-              <a:rPr lang="en-IN" dirty="0" smtClean="0"/>
+              <a:rPr lang="en-IN" dirty="0"/>
               <a:t>{</a:t>
             </a:r>
           </a:p>
@@ -4025,15 +4040,15 @@
               <a:buNone/>
             </a:pPr>
             <a:r>
-              <a:rPr lang="en-IN" dirty="0" smtClean="0"/>
+              <a:rPr lang="en-IN" dirty="0"/>
               <a:t>     </a:t>
             </a:r>
             <a:r>
-              <a:rPr lang="en-IN" dirty="0" err="1" smtClean="0"/>
+              <a:rPr lang="en-IN" dirty="0" err="1"/>
               <a:t>printf</a:t>
             </a:r>
             <a:r>
-              <a:rPr lang="en-IN" dirty="0" smtClean="0"/>
+              <a:rPr lang="en-IN" dirty="0"/>
               <a:t>("%d", CUBE(1+2));</a:t>
             </a:r>
           </a:p>
@@ -4042,7 +4057,7 @@
               <a:buNone/>
             </a:pPr>
             <a:r>
-              <a:rPr lang="en-IN" dirty="0" smtClean="0"/>
+              <a:rPr lang="en-IN" dirty="0"/>
               <a:t>     return 0;</a:t>
             </a:r>
           </a:p>
@@ -4051,10 +4066,9 @@
               <a:buNone/>
             </a:pPr>
             <a:r>
-              <a:rPr lang="en-IN" dirty="0" smtClean="0"/>
+              <a:rPr lang="en-IN" dirty="0"/>
               <a:t>}</a:t>
             </a:r>
-            <a:endParaRPr lang="en-IN" dirty="0"/>
           </a:p>
         </p:txBody>
       </p:sp>
@@ -4085,15 +4099,15 @@
               <a:buNone/>
             </a:pPr>
             <a:r>
-              <a:rPr lang="en-US" dirty="0" smtClean="0"/>
+              <a:rPr lang="en-US" dirty="0"/>
               <a:t>#include&lt;</a:t>
             </a:r>
             <a:r>
-              <a:rPr lang="en-US" dirty="0" err="1" smtClean="0"/>
+              <a:rPr lang="en-US" dirty="0" err="1"/>
               <a:t>stdio.h</a:t>
             </a:r>
             <a:r>
-              <a:rPr lang="en-US" dirty="0" smtClean="0"/>
+              <a:rPr lang="en-US" dirty="0"/>
               <a:t>&gt;</a:t>
             </a:r>
           </a:p>
@@ -4102,23 +4116,23 @@
               <a:buNone/>
             </a:pPr>
             <a:r>
-              <a:rPr lang="en-US" dirty="0" smtClean="0"/>
+              <a:rPr lang="en-US" dirty="0"/>
               <a:t>static inline </a:t>
             </a:r>
             <a:r>
-              <a:rPr lang="en-US" dirty="0" err="1" smtClean="0"/>
+              <a:rPr lang="en-US" dirty="0" err="1"/>
               <a:t>int</a:t>
             </a:r>
             <a:r>
-              <a:rPr lang="en-US" dirty="0" smtClean="0"/>
+              <a:rPr lang="en-US" dirty="0"/>
               <a:t> cube(</a:t>
             </a:r>
             <a:r>
-              <a:rPr lang="en-US" dirty="0" err="1" smtClean="0"/>
+              <a:rPr lang="en-US" dirty="0" err="1"/>
               <a:t>int</a:t>
             </a:r>
             <a:r>
-              <a:rPr lang="en-US" dirty="0" smtClean="0"/>
+              <a:rPr lang="en-US" dirty="0"/>
               <a:t> a)</a:t>
             </a:r>
           </a:p>
@@ -4127,7 +4141,7 @@
               <a:buNone/>
             </a:pPr>
             <a:r>
-              <a:rPr lang="en-US" dirty="0" smtClean="0"/>
+              <a:rPr lang="en-US" dirty="0"/>
               <a:t>{</a:t>
             </a:r>
           </a:p>
@@ -4136,7 +4150,7 @@
               <a:buNone/>
             </a:pPr>
             <a:r>
-              <a:rPr lang="en-US" dirty="0" smtClean="0"/>
+              <a:rPr lang="en-US" dirty="0"/>
               <a:t>     return a*a*a;</a:t>
             </a:r>
           </a:p>
@@ -4145,7 +4159,7 @@
               <a:buNone/>
             </a:pPr>
             <a:r>
-              <a:rPr lang="en-US" dirty="0" smtClean="0"/>
+              <a:rPr lang="en-US" dirty="0"/>
               <a:t>}</a:t>
             </a:r>
           </a:p>
@@ -4154,11 +4168,11 @@
               <a:buNone/>
             </a:pPr>
             <a:r>
-              <a:rPr lang="en-US" dirty="0" err="1" smtClean="0"/>
+              <a:rPr lang="en-US" dirty="0" err="1"/>
               <a:t>int</a:t>
             </a:r>
             <a:r>
-              <a:rPr lang="en-US" dirty="0" smtClean="0"/>
+              <a:rPr lang="en-US" dirty="0"/>
               <a:t> main()</a:t>
             </a:r>
           </a:p>
@@ -4167,7 +4181,7 @@
               <a:buNone/>
             </a:pPr>
             <a:r>
-              <a:rPr lang="en-US" dirty="0" smtClean="0"/>
+              <a:rPr lang="en-US" dirty="0"/>
               <a:t>{</a:t>
             </a:r>
           </a:p>
@@ -4176,15 +4190,15 @@
               <a:buNone/>
             </a:pPr>
             <a:r>
-              <a:rPr lang="en-US" dirty="0" smtClean="0"/>
+              <a:rPr lang="en-US" dirty="0"/>
               <a:t>    </a:t>
             </a:r>
             <a:r>
-              <a:rPr lang="en-US" dirty="0" err="1" smtClean="0"/>
+              <a:rPr lang="en-US" dirty="0" err="1"/>
               <a:t>printf</a:t>
             </a:r>
             <a:r>
-              <a:rPr lang="en-US" dirty="0" smtClean="0"/>
+              <a:rPr lang="en-US" dirty="0"/>
               <a:t>("%d", cube(1+2));</a:t>
             </a:r>
           </a:p>
@@ -4193,7 +4207,7 @@
               <a:buNone/>
             </a:pPr>
             <a:r>
-              <a:rPr lang="en-US" dirty="0" smtClean="0"/>
+              <a:rPr lang="en-US" dirty="0"/>
               <a:t>    return 0;</a:t>
             </a:r>
           </a:p>
@@ -4202,7 +4216,7 @@
               <a:buNone/>
             </a:pPr>
             <a:r>
-              <a:rPr lang="en-US" dirty="0" smtClean="0"/>
+              <a:rPr lang="en-US" dirty="0"/>
               <a:t>}</a:t>
             </a:r>
             <a:endParaRPr lang="en-IN" dirty="0"/>
@@ -4248,7 +4262,7 @@
           </a:lstStyle>
           <a:p>
             <a:r>
-              <a:rPr lang="en-US" dirty="0" smtClean="0"/>
+              <a:rPr lang="en-US" dirty="0"/>
               <a:t>Difference at compile time expansion</a:t>
             </a:r>
             <a:endParaRPr lang="en-IN" dirty="0"/>
@@ -4301,12 +4315,8 @@
           <a:lstStyle/>
           <a:p>
             <a:r>
-              <a:rPr lang="en-US" dirty="0" smtClean="0"/>
-              <a:t>Macro </a:t>
-            </a:r>
-            <a:r>
-              <a:rPr lang="en-US" dirty="0"/>
-              <a:t>Vs Inline Functions</a:t>
+              <a:rPr lang="en-US" dirty="0"/>
+              <a:t>Macro Vs Inline Functions</a:t>
             </a:r>
             <a:endParaRPr lang="en-IN" dirty="0"/>
           </a:p>
@@ -4554,7 +4564,7 @@
           <a:lstStyle/>
           <a:p>
             <a:r>
-              <a:rPr lang="en-US" dirty="0" smtClean="0"/>
+              <a:rPr lang="en-US" dirty="0"/>
               <a:t>Difference at argument type checking</a:t>
             </a:r>
             <a:endParaRPr lang="en-IN" dirty="0"/>
